--- a/Documentation/Block Diagrampptx.pptx
+++ b/Documentation/Block Diagrampptx.pptx
@@ -7,6 +7,8 @@
   <p:sldIdLst>
     <p:sldId id="256" r:id="rId2"/>
     <p:sldId id="257" r:id="rId3"/>
+    <p:sldId id="258" r:id="rId4"/>
+    <p:sldId id="259" r:id="rId5"/>
   </p:sldIdLst>
   <p:sldSz cx="35999738" cy="21599525"/>
   <p:notesSz cx="6858000" cy="9144000"/>
@@ -105,6 +107,11 @@
       </a:defRPr>
     </a:lvl9pPr>
   </p:defaultTextStyle>
+  <p:extLst>
+    <p:ext uri="{EFAFB233-063F-42B5-8137-9DF3F51BA10A}">
+      <p15:sldGuideLst xmlns:p15="http://schemas.microsoft.com/office/powerpoint/2012/main"/>
+    </p:ext>
+  </p:extLst>
 </p:presentation>
 </file>
 
@@ -239,7 +246,7 @@
           <a:p>
             <a:fld id="{3FE12C25-42C1-4F6D-BA0E-AE8BA4E20B73}" type="datetimeFigureOut">
               <a:rPr lang="en-AU" smtClean="0"/>
-              <a:t>6/08/2023</a:t>
+              <a:t>31/10/2023</a:t>
             </a:fld>
             <a:endParaRPr lang="en-AU"/>
           </a:p>
@@ -409,7 +416,7 @@
           <a:p>
             <a:fld id="{3FE12C25-42C1-4F6D-BA0E-AE8BA4E20B73}" type="datetimeFigureOut">
               <a:rPr lang="en-AU" smtClean="0"/>
-              <a:t>6/08/2023</a:t>
+              <a:t>31/10/2023</a:t>
             </a:fld>
             <a:endParaRPr lang="en-AU"/>
           </a:p>
@@ -589,7 +596,7 @@
           <a:p>
             <a:fld id="{3FE12C25-42C1-4F6D-BA0E-AE8BA4E20B73}" type="datetimeFigureOut">
               <a:rPr lang="en-AU" smtClean="0"/>
-              <a:t>6/08/2023</a:t>
+              <a:t>31/10/2023</a:t>
             </a:fld>
             <a:endParaRPr lang="en-AU"/>
           </a:p>
@@ -759,7 +766,7 @@
           <a:p>
             <a:fld id="{3FE12C25-42C1-4F6D-BA0E-AE8BA4E20B73}" type="datetimeFigureOut">
               <a:rPr lang="en-AU" smtClean="0"/>
-              <a:t>6/08/2023</a:t>
+              <a:t>31/10/2023</a:t>
             </a:fld>
             <a:endParaRPr lang="en-AU"/>
           </a:p>
@@ -1005,7 +1012,7 @@
           <a:p>
             <a:fld id="{3FE12C25-42C1-4F6D-BA0E-AE8BA4E20B73}" type="datetimeFigureOut">
               <a:rPr lang="en-AU" smtClean="0"/>
-              <a:t>6/08/2023</a:t>
+              <a:t>31/10/2023</a:t>
             </a:fld>
             <a:endParaRPr lang="en-AU"/>
           </a:p>
@@ -1237,7 +1244,7 @@
           <a:p>
             <a:fld id="{3FE12C25-42C1-4F6D-BA0E-AE8BA4E20B73}" type="datetimeFigureOut">
               <a:rPr lang="en-AU" smtClean="0"/>
-              <a:t>6/08/2023</a:t>
+              <a:t>31/10/2023</a:t>
             </a:fld>
             <a:endParaRPr lang="en-AU"/>
           </a:p>
@@ -1604,7 +1611,7 @@
           <a:p>
             <a:fld id="{3FE12C25-42C1-4F6D-BA0E-AE8BA4E20B73}" type="datetimeFigureOut">
               <a:rPr lang="en-AU" smtClean="0"/>
-              <a:t>6/08/2023</a:t>
+              <a:t>31/10/2023</a:t>
             </a:fld>
             <a:endParaRPr lang="en-AU"/>
           </a:p>
@@ -1722,7 +1729,7 @@
           <a:p>
             <a:fld id="{3FE12C25-42C1-4F6D-BA0E-AE8BA4E20B73}" type="datetimeFigureOut">
               <a:rPr lang="en-AU" smtClean="0"/>
-              <a:t>6/08/2023</a:t>
+              <a:t>31/10/2023</a:t>
             </a:fld>
             <a:endParaRPr lang="en-AU"/>
           </a:p>
@@ -1817,7 +1824,7 @@
           <a:p>
             <a:fld id="{3FE12C25-42C1-4F6D-BA0E-AE8BA4E20B73}" type="datetimeFigureOut">
               <a:rPr lang="en-AU" smtClean="0"/>
-              <a:t>6/08/2023</a:t>
+              <a:t>31/10/2023</a:t>
             </a:fld>
             <a:endParaRPr lang="en-AU"/>
           </a:p>
@@ -2094,7 +2101,7 @@
           <a:p>
             <a:fld id="{3FE12C25-42C1-4F6D-BA0E-AE8BA4E20B73}" type="datetimeFigureOut">
               <a:rPr lang="en-AU" smtClean="0"/>
-              <a:t>6/08/2023</a:t>
+              <a:t>31/10/2023</a:t>
             </a:fld>
             <a:endParaRPr lang="en-AU"/>
           </a:p>
@@ -2351,7 +2358,7 @@
           <a:p>
             <a:fld id="{3FE12C25-42C1-4F6D-BA0E-AE8BA4E20B73}" type="datetimeFigureOut">
               <a:rPr lang="en-AU" smtClean="0"/>
-              <a:t>6/08/2023</a:t>
+              <a:t>31/10/2023</a:t>
             </a:fld>
             <a:endParaRPr lang="en-AU"/>
           </a:p>
@@ -2564,7 +2571,7 @@
           <a:p>
             <a:fld id="{3FE12C25-42C1-4F6D-BA0E-AE8BA4E20B73}" type="datetimeFigureOut">
               <a:rPr lang="en-AU" smtClean="0"/>
-              <a:t>6/08/2023</a:t>
+              <a:t>31/10/2023</a:t>
             </a:fld>
             <a:endParaRPr lang="en-AU"/>
           </a:p>
@@ -4416,6 +4423,883 @@
 </p:sld>
 </file>
 
+<file path=ppt/slides/slide3.xml><?xml version="1.0" encoding="utf-8"?>
+<p:sld xmlns:a="http://schemas.openxmlformats.org/drawingml/2006/main" xmlns:r="http://schemas.openxmlformats.org/officeDocument/2006/relationships" xmlns:p="http://schemas.openxmlformats.org/presentationml/2006/main">
+  <p:cSld>
+    <p:spTree>
+      <p:nvGrpSpPr>
+        <p:cNvPr id="1" name=""/>
+        <p:cNvGrpSpPr/>
+        <p:nvPr/>
+      </p:nvGrpSpPr>
+      <p:grpSpPr>
+        <a:xfrm>
+          <a:off x="0" y="0"/>
+          <a:ext cx="0" cy="0"/>
+          <a:chOff x="0" y="0"/>
+          <a:chExt cx="0" cy="0"/>
+        </a:xfrm>
+      </p:grpSpPr>
+      <p:sp>
+        <p:nvSpPr>
+          <p:cNvPr id="4" name="Rectangle: Rounded Corners 3">
+            <a:extLst>
+              <a:ext uri="{FF2B5EF4-FFF2-40B4-BE49-F238E27FC236}">
+                <a16:creationId xmlns:a16="http://schemas.microsoft.com/office/drawing/2014/main" id="{DC91B736-E244-B1B9-4B58-0B0E8A0BCA1E}"/>
+              </a:ext>
+            </a:extLst>
+          </p:cNvPr>
+          <p:cNvSpPr/>
+          <p:nvPr/>
+        </p:nvSpPr>
+        <p:spPr>
+          <a:xfrm>
+            <a:off x="12363450" y="2781300"/>
+            <a:ext cx="8382000" cy="2514600"/>
+          </a:xfrm>
+          <a:prstGeom prst="roundRect">
+            <a:avLst/>
+          </a:prstGeom>
+        </p:spPr>
+        <p:style>
+          <a:lnRef idx="2">
+            <a:schemeClr val="accent1">
+              <a:shade val="15000"/>
+            </a:schemeClr>
+          </a:lnRef>
+          <a:fillRef idx="1">
+            <a:schemeClr val="accent1"/>
+          </a:fillRef>
+          <a:effectRef idx="0">
+            <a:schemeClr val="accent1"/>
+          </a:effectRef>
+          <a:fontRef idx="minor">
+            <a:schemeClr val="lt1"/>
+          </a:fontRef>
+        </p:style>
+        <p:txBody>
+          <a:bodyPr rtlCol="0" anchor="ctr"/>
+          <a:lstStyle/>
+          <a:p>
+            <a:pPr algn="ctr"/>
+            <a:r>
+              <a:rPr lang="en-AU" sz="4000" dirty="0">
+                <a:latin typeface="Times New Roman" panose="02020603050405020304" pitchFamily="18" charset="0"/>
+                <a:cs typeface="Times New Roman" panose="02020603050405020304" pitchFamily="18" charset="0"/>
+              </a:rPr>
+              <a:t>Calibrate and configure </a:t>
+            </a:r>
+            <a:r>
+              <a:rPr lang="en-GB" sz="4000" dirty="0">
+                <a:latin typeface="Times New Roman" panose="02020603050405020304" pitchFamily="18" charset="0"/>
+                <a:cs typeface="Times New Roman" panose="02020603050405020304" pitchFamily="18" charset="0"/>
+              </a:rPr>
+              <a:t>LSM9DS1</a:t>
+            </a:r>
+          </a:p>
+          <a:p>
+            <a:pPr algn="ctr"/>
+            <a:r>
+              <a:rPr lang="en-AU" sz="4000" dirty="0">
+                <a:latin typeface="Times New Roman" panose="02020603050405020304" pitchFamily="18" charset="0"/>
+                <a:cs typeface="Times New Roman" panose="02020603050405020304" pitchFamily="18" charset="0"/>
+              </a:rPr>
+              <a:t>Calibrate and configure </a:t>
+            </a:r>
+            <a:r>
+              <a:rPr lang="en-GB" sz="4000" dirty="0">
+                <a:latin typeface="Times New Roman" panose="02020603050405020304" pitchFamily="18" charset="0"/>
+                <a:cs typeface="Times New Roman" panose="02020603050405020304" pitchFamily="18" charset="0"/>
+              </a:rPr>
+              <a:t>MCP2515</a:t>
+            </a:r>
+          </a:p>
+          <a:p>
+            <a:pPr algn="ctr"/>
+            <a:r>
+              <a:rPr lang="en-GB" sz="1800" b="1" i="1" dirty="0">
+                <a:latin typeface="Times New Roman" panose="02020603050405020304" pitchFamily="18" charset="0"/>
+                <a:ea typeface="Calibri" panose="020F0502020204030204" pitchFamily="34" charset="0"/>
+                <a:cs typeface="Times New Roman" panose="02020603050405020304" pitchFamily="18" charset="0"/>
+              </a:rPr>
+              <a:t> </a:t>
+            </a:r>
+            <a:endParaRPr lang="en-AU" sz="4000" dirty="0">
+              <a:latin typeface="Times New Roman" panose="02020603050405020304" pitchFamily="18" charset="0"/>
+              <a:cs typeface="Times New Roman" panose="02020603050405020304" pitchFamily="18" charset="0"/>
+            </a:endParaRPr>
+          </a:p>
+        </p:txBody>
+      </p:sp>
+      <p:sp>
+        <p:nvSpPr>
+          <p:cNvPr id="5" name="Rectangle: Rounded Corners 4">
+            <a:extLst>
+              <a:ext uri="{FF2B5EF4-FFF2-40B4-BE49-F238E27FC236}">
+                <a16:creationId xmlns:a16="http://schemas.microsoft.com/office/drawing/2014/main" id="{AE7881E8-232B-D23A-16B4-7F396EEF1BB2}"/>
+              </a:ext>
+            </a:extLst>
+          </p:cNvPr>
+          <p:cNvSpPr/>
+          <p:nvPr/>
+        </p:nvSpPr>
+        <p:spPr>
+          <a:xfrm>
+            <a:off x="12363450" y="5943600"/>
+            <a:ext cx="8382000" cy="2514600"/>
+          </a:xfrm>
+          <a:prstGeom prst="roundRect">
+            <a:avLst/>
+          </a:prstGeom>
+        </p:spPr>
+        <p:style>
+          <a:lnRef idx="2">
+            <a:schemeClr val="accent1">
+              <a:shade val="15000"/>
+            </a:schemeClr>
+          </a:lnRef>
+          <a:fillRef idx="1">
+            <a:schemeClr val="accent1"/>
+          </a:fillRef>
+          <a:effectRef idx="0">
+            <a:schemeClr val="accent1"/>
+          </a:effectRef>
+          <a:fontRef idx="minor">
+            <a:schemeClr val="lt1"/>
+          </a:fontRef>
+        </p:style>
+        <p:txBody>
+          <a:bodyPr rtlCol="0" anchor="ctr"/>
+          <a:lstStyle/>
+          <a:p>
+            <a:pPr algn="ctr"/>
+            <a:r>
+              <a:rPr lang="en-AU" sz="4000" dirty="0">
+                <a:latin typeface="Times New Roman" panose="02020603050405020304" pitchFamily="18" charset="0"/>
+                <a:cs typeface="Times New Roman" panose="02020603050405020304" pitchFamily="18" charset="0"/>
+              </a:rPr>
+              <a:t>Listen for IMU data request from ESP32 Master Node. </a:t>
+            </a:r>
+          </a:p>
+        </p:txBody>
+      </p:sp>
+      <p:sp>
+        <p:nvSpPr>
+          <p:cNvPr id="6" name="Rectangle: Rounded Corners 5">
+            <a:extLst>
+              <a:ext uri="{FF2B5EF4-FFF2-40B4-BE49-F238E27FC236}">
+                <a16:creationId xmlns:a16="http://schemas.microsoft.com/office/drawing/2014/main" id="{8A034CDC-785B-53E7-D924-B3BADA8F4B35}"/>
+              </a:ext>
+            </a:extLst>
+          </p:cNvPr>
+          <p:cNvSpPr/>
+          <p:nvPr/>
+        </p:nvSpPr>
+        <p:spPr>
+          <a:xfrm>
+            <a:off x="12363450" y="9105900"/>
+            <a:ext cx="8382000" cy="2514600"/>
+          </a:xfrm>
+          <a:prstGeom prst="roundRect">
+            <a:avLst/>
+          </a:prstGeom>
+        </p:spPr>
+        <p:style>
+          <a:lnRef idx="2">
+            <a:schemeClr val="accent1">
+              <a:shade val="15000"/>
+            </a:schemeClr>
+          </a:lnRef>
+          <a:fillRef idx="1">
+            <a:schemeClr val="accent1"/>
+          </a:fillRef>
+          <a:effectRef idx="0">
+            <a:schemeClr val="accent1"/>
+          </a:effectRef>
+          <a:fontRef idx="minor">
+            <a:schemeClr val="lt1"/>
+          </a:fontRef>
+        </p:style>
+        <p:txBody>
+          <a:bodyPr rtlCol="0" anchor="ctr"/>
+          <a:lstStyle/>
+          <a:p>
+            <a:pPr algn="ctr"/>
+            <a:r>
+              <a:rPr lang="en-AU" sz="4000" dirty="0">
+                <a:latin typeface="Times New Roman" panose="02020603050405020304" pitchFamily="18" charset="0"/>
+                <a:cs typeface="Times New Roman" panose="02020603050405020304" pitchFamily="18" charset="0"/>
+              </a:rPr>
+              <a:t>Get sensor data and apply sensor fusion.</a:t>
+            </a:r>
+          </a:p>
+        </p:txBody>
+      </p:sp>
+      <p:sp>
+        <p:nvSpPr>
+          <p:cNvPr id="7" name="Rectangle: Rounded Corners 6">
+            <a:extLst>
+              <a:ext uri="{FF2B5EF4-FFF2-40B4-BE49-F238E27FC236}">
+                <a16:creationId xmlns:a16="http://schemas.microsoft.com/office/drawing/2014/main" id="{79225B72-F317-FA98-F9C4-EC4048AB7937}"/>
+              </a:ext>
+            </a:extLst>
+          </p:cNvPr>
+          <p:cNvSpPr/>
+          <p:nvPr/>
+        </p:nvSpPr>
+        <p:spPr>
+          <a:xfrm>
+            <a:off x="12363450" y="12268200"/>
+            <a:ext cx="8382000" cy="2514600"/>
+          </a:xfrm>
+          <a:prstGeom prst="roundRect">
+            <a:avLst/>
+          </a:prstGeom>
+        </p:spPr>
+        <p:style>
+          <a:lnRef idx="2">
+            <a:schemeClr val="accent1">
+              <a:shade val="15000"/>
+            </a:schemeClr>
+          </a:lnRef>
+          <a:fillRef idx="1">
+            <a:schemeClr val="accent1"/>
+          </a:fillRef>
+          <a:effectRef idx="0">
+            <a:schemeClr val="accent1"/>
+          </a:effectRef>
+          <a:fontRef idx="minor">
+            <a:schemeClr val="lt1"/>
+          </a:fontRef>
+        </p:style>
+        <p:txBody>
+          <a:bodyPr rtlCol="0" anchor="ctr"/>
+          <a:lstStyle/>
+          <a:p>
+            <a:pPr algn="ctr"/>
+            <a:r>
+              <a:rPr lang="en-AU" sz="4000" dirty="0">
+                <a:latin typeface="Times New Roman" panose="02020603050405020304" pitchFamily="18" charset="0"/>
+                <a:cs typeface="Times New Roman" panose="02020603050405020304" pitchFamily="18" charset="0"/>
+              </a:rPr>
+              <a:t>Pack data into CAN frame and send to ESP32 Master Node. </a:t>
+            </a:r>
+          </a:p>
+        </p:txBody>
+      </p:sp>
+      <p:cxnSp>
+        <p:nvCxnSpPr>
+          <p:cNvPr id="11" name="Connector: Elbow 10">
+            <a:extLst>
+              <a:ext uri="{FF2B5EF4-FFF2-40B4-BE49-F238E27FC236}">
+                <a16:creationId xmlns:a16="http://schemas.microsoft.com/office/drawing/2014/main" id="{50223E72-0ECF-409A-10E4-2E833A063E97}"/>
+              </a:ext>
+            </a:extLst>
+          </p:cNvPr>
+          <p:cNvCxnSpPr>
+            <a:cxnSpLocks/>
+            <a:stCxn id="7" idx="1"/>
+            <a:endCxn id="5" idx="1"/>
+          </p:cNvCxnSpPr>
+          <p:nvPr/>
+        </p:nvCxnSpPr>
+        <p:spPr>
+          <a:xfrm rot="10800000">
+            <a:off x="12363450" y="7200900"/>
+            <a:ext cx="12700" cy="6324600"/>
+          </a:xfrm>
+          <a:prstGeom prst="bentConnector3">
+            <a:avLst>
+              <a:gd name="adj1" fmla="val 14850000"/>
+            </a:avLst>
+          </a:prstGeom>
+          <a:ln w="76200">
+            <a:solidFill>
+              <a:schemeClr val="tx1">
+                <a:lumMod val="95000"/>
+                <a:lumOff val="5000"/>
+              </a:schemeClr>
+            </a:solidFill>
+            <a:tailEnd type="triangle"/>
+          </a:ln>
+        </p:spPr>
+        <p:style>
+          <a:lnRef idx="1">
+            <a:schemeClr val="accent1"/>
+          </a:lnRef>
+          <a:fillRef idx="0">
+            <a:schemeClr val="accent1"/>
+          </a:fillRef>
+          <a:effectRef idx="0">
+            <a:schemeClr val="accent1"/>
+          </a:effectRef>
+          <a:fontRef idx="minor">
+            <a:schemeClr val="tx1"/>
+          </a:fontRef>
+        </p:style>
+      </p:cxnSp>
+      <p:cxnSp>
+        <p:nvCxnSpPr>
+          <p:cNvPr id="16" name="Straight Arrow Connector 15">
+            <a:extLst>
+              <a:ext uri="{FF2B5EF4-FFF2-40B4-BE49-F238E27FC236}">
+                <a16:creationId xmlns:a16="http://schemas.microsoft.com/office/drawing/2014/main" id="{35895008-EA7F-5A08-58BC-C84CED24CE4A}"/>
+              </a:ext>
+            </a:extLst>
+          </p:cNvPr>
+          <p:cNvCxnSpPr>
+            <a:stCxn id="4" idx="2"/>
+            <a:endCxn id="5" idx="0"/>
+          </p:cNvCxnSpPr>
+          <p:nvPr/>
+        </p:nvCxnSpPr>
+        <p:spPr>
+          <a:xfrm>
+            <a:off x="16554450" y="5295900"/>
+            <a:ext cx="0" cy="647700"/>
+          </a:xfrm>
+          <a:prstGeom prst="straightConnector1">
+            <a:avLst/>
+          </a:prstGeom>
+          <a:ln w="76200">
+            <a:solidFill>
+              <a:schemeClr val="tx1">
+                <a:lumMod val="95000"/>
+                <a:lumOff val="5000"/>
+              </a:schemeClr>
+            </a:solidFill>
+            <a:tailEnd type="triangle"/>
+          </a:ln>
+        </p:spPr>
+        <p:style>
+          <a:lnRef idx="1">
+            <a:schemeClr val="accent1"/>
+          </a:lnRef>
+          <a:fillRef idx="0">
+            <a:schemeClr val="accent1"/>
+          </a:fillRef>
+          <a:effectRef idx="0">
+            <a:schemeClr val="accent1"/>
+          </a:effectRef>
+          <a:fontRef idx="minor">
+            <a:schemeClr val="tx1"/>
+          </a:fontRef>
+        </p:style>
+      </p:cxnSp>
+      <p:cxnSp>
+        <p:nvCxnSpPr>
+          <p:cNvPr id="17" name="Straight Arrow Connector 16">
+            <a:extLst>
+              <a:ext uri="{FF2B5EF4-FFF2-40B4-BE49-F238E27FC236}">
+                <a16:creationId xmlns:a16="http://schemas.microsoft.com/office/drawing/2014/main" id="{9E93A771-56B5-3E3F-B928-C9A44E14A882}"/>
+              </a:ext>
+            </a:extLst>
+          </p:cNvPr>
+          <p:cNvCxnSpPr>
+            <a:cxnSpLocks/>
+            <a:stCxn id="5" idx="2"/>
+            <a:endCxn id="6" idx="0"/>
+          </p:cNvCxnSpPr>
+          <p:nvPr/>
+        </p:nvCxnSpPr>
+        <p:spPr>
+          <a:xfrm>
+            <a:off x="16554450" y="8458200"/>
+            <a:ext cx="0" cy="647700"/>
+          </a:xfrm>
+          <a:prstGeom prst="straightConnector1">
+            <a:avLst/>
+          </a:prstGeom>
+          <a:ln w="76200">
+            <a:solidFill>
+              <a:schemeClr val="tx1">
+                <a:lumMod val="95000"/>
+                <a:lumOff val="5000"/>
+              </a:schemeClr>
+            </a:solidFill>
+            <a:tailEnd type="triangle"/>
+          </a:ln>
+        </p:spPr>
+        <p:style>
+          <a:lnRef idx="1">
+            <a:schemeClr val="accent1"/>
+          </a:lnRef>
+          <a:fillRef idx="0">
+            <a:schemeClr val="accent1"/>
+          </a:fillRef>
+          <a:effectRef idx="0">
+            <a:schemeClr val="accent1"/>
+          </a:effectRef>
+          <a:fontRef idx="minor">
+            <a:schemeClr val="tx1"/>
+          </a:fontRef>
+        </p:style>
+      </p:cxnSp>
+      <p:cxnSp>
+        <p:nvCxnSpPr>
+          <p:cNvPr id="20" name="Straight Arrow Connector 19">
+            <a:extLst>
+              <a:ext uri="{FF2B5EF4-FFF2-40B4-BE49-F238E27FC236}">
+                <a16:creationId xmlns:a16="http://schemas.microsoft.com/office/drawing/2014/main" id="{D5EA32A7-014C-21CF-05CB-39EA9C224D80}"/>
+              </a:ext>
+            </a:extLst>
+          </p:cNvPr>
+          <p:cNvCxnSpPr>
+            <a:cxnSpLocks/>
+            <a:stCxn id="6" idx="2"/>
+            <a:endCxn id="7" idx="0"/>
+          </p:cNvCxnSpPr>
+          <p:nvPr/>
+        </p:nvCxnSpPr>
+        <p:spPr>
+          <a:xfrm>
+            <a:off x="16554450" y="11620500"/>
+            <a:ext cx="0" cy="647700"/>
+          </a:xfrm>
+          <a:prstGeom prst="straightConnector1">
+            <a:avLst/>
+          </a:prstGeom>
+          <a:ln w="76200">
+            <a:solidFill>
+              <a:schemeClr val="tx1">
+                <a:lumMod val="95000"/>
+                <a:lumOff val="5000"/>
+              </a:schemeClr>
+            </a:solidFill>
+            <a:tailEnd type="triangle"/>
+          </a:ln>
+        </p:spPr>
+        <p:style>
+          <a:lnRef idx="1">
+            <a:schemeClr val="accent1"/>
+          </a:lnRef>
+          <a:fillRef idx="0">
+            <a:schemeClr val="accent1"/>
+          </a:fillRef>
+          <a:effectRef idx="0">
+            <a:schemeClr val="accent1"/>
+          </a:effectRef>
+          <a:fontRef idx="minor">
+            <a:schemeClr val="tx1"/>
+          </a:fontRef>
+        </p:style>
+      </p:cxnSp>
+    </p:spTree>
+    <p:extLst>
+      <p:ext uri="{BB962C8B-B14F-4D97-AF65-F5344CB8AC3E}">
+        <p14:creationId xmlns:p14="http://schemas.microsoft.com/office/powerpoint/2010/main" val="250129309"/>
+      </p:ext>
+    </p:extLst>
+  </p:cSld>
+  <p:clrMapOvr>
+    <a:masterClrMapping/>
+  </p:clrMapOvr>
+</p:sld>
+</file>
+
+<file path=ppt/slides/slide4.xml><?xml version="1.0" encoding="utf-8"?>
+<p:sld xmlns:a="http://schemas.openxmlformats.org/drawingml/2006/main" xmlns:r="http://schemas.openxmlformats.org/officeDocument/2006/relationships" xmlns:p="http://schemas.openxmlformats.org/presentationml/2006/main">
+  <p:cSld>
+    <p:spTree>
+      <p:nvGrpSpPr>
+        <p:cNvPr id="1" name=""/>
+        <p:cNvGrpSpPr/>
+        <p:nvPr/>
+      </p:nvGrpSpPr>
+      <p:grpSpPr>
+        <a:xfrm>
+          <a:off x="0" y="0"/>
+          <a:ext cx="0" cy="0"/>
+          <a:chOff x="0" y="0"/>
+          <a:chExt cx="0" cy="0"/>
+        </a:xfrm>
+      </p:grpSpPr>
+      <p:sp>
+        <p:nvSpPr>
+          <p:cNvPr id="4" name="Rectangle: Rounded Corners 3">
+            <a:extLst>
+              <a:ext uri="{FF2B5EF4-FFF2-40B4-BE49-F238E27FC236}">
+                <a16:creationId xmlns:a16="http://schemas.microsoft.com/office/drawing/2014/main" id="{DC91B736-E244-B1B9-4B58-0B0E8A0BCA1E}"/>
+              </a:ext>
+            </a:extLst>
+          </p:cNvPr>
+          <p:cNvSpPr/>
+          <p:nvPr/>
+        </p:nvSpPr>
+        <p:spPr>
+          <a:xfrm>
+            <a:off x="7918450" y="5943600"/>
+            <a:ext cx="6019800" cy="2514600"/>
+          </a:xfrm>
+          <a:prstGeom prst="roundRect">
+            <a:avLst/>
+          </a:prstGeom>
+        </p:spPr>
+        <p:style>
+          <a:lnRef idx="2">
+            <a:schemeClr val="accent1">
+              <a:shade val="15000"/>
+            </a:schemeClr>
+          </a:lnRef>
+          <a:fillRef idx="1">
+            <a:schemeClr val="accent1"/>
+          </a:fillRef>
+          <a:effectRef idx="0">
+            <a:schemeClr val="accent1"/>
+          </a:effectRef>
+          <a:fontRef idx="minor">
+            <a:schemeClr val="lt1"/>
+          </a:fontRef>
+        </p:style>
+        <p:txBody>
+          <a:bodyPr rtlCol="0" anchor="ctr"/>
+          <a:lstStyle/>
+          <a:p>
+            <a:pPr algn="ctr"/>
+            <a:r>
+              <a:rPr lang="en-AU" sz="4000" dirty="0">
+                <a:latin typeface="Times New Roman" panose="02020603050405020304" pitchFamily="18" charset="0"/>
+                <a:cs typeface="Times New Roman" panose="02020603050405020304" pitchFamily="18" charset="0"/>
+              </a:rPr>
+              <a:t>Acquire Euler’s Angles on Sensor Nodes for each body segment </a:t>
+            </a:r>
+            <a:endParaRPr lang="en-GB" sz="4000" dirty="0">
+              <a:latin typeface="Times New Roman" panose="02020603050405020304" pitchFamily="18" charset="0"/>
+              <a:cs typeface="Times New Roman" panose="02020603050405020304" pitchFamily="18" charset="0"/>
+            </a:endParaRPr>
+          </a:p>
+          <a:p>
+            <a:pPr algn="ctr"/>
+            <a:r>
+              <a:rPr lang="en-GB" sz="1800" b="1" i="1" dirty="0">
+                <a:latin typeface="Times New Roman" panose="02020603050405020304" pitchFamily="18" charset="0"/>
+                <a:ea typeface="Calibri" panose="020F0502020204030204" pitchFamily="34" charset="0"/>
+                <a:cs typeface="Times New Roman" panose="02020603050405020304" pitchFamily="18" charset="0"/>
+              </a:rPr>
+              <a:t> </a:t>
+            </a:r>
+            <a:endParaRPr lang="en-AU" sz="4000" dirty="0">
+              <a:latin typeface="Times New Roman" panose="02020603050405020304" pitchFamily="18" charset="0"/>
+              <a:cs typeface="Times New Roman" panose="02020603050405020304" pitchFamily="18" charset="0"/>
+            </a:endParaRPr>
+          </a:p>
+        </p:txBody>
+      </p:sp>
+      <p:sp>
+        <p:nvSpPr>
+          <p:cNvPr id="5" name="Rectangle: Rounded Corners 4">
+            <a:extLst>
+              <a:ext uri="{FF2B5EF4-FFF2-40B4-BE49-F238E27FC236}">
+                <a16:creationId xmlns:a16="http://schemas.microsoft.com/office/drawing/2014/main" id="{AE7881E8-232B-D23A-16B4-7F396EEF1BB2}"/>
+              </a:ext>
+            </a:extLst>
+          </p:cNvPr>
+          <p:cNvSpPr/>
+          <p:nvPr/>
+        </p:nvSpPr>
+        <p:spPr>
+          <a:xfrm>
+            <a:off x="14725650" y="5943600"/>
+            <a:ext cx="6019800" cy="2514600"/>
+          </a:xfrm>
+          <a:prstGeom prst="roundRect">
+            <a:avLst/>
+          </a:prstGeom>
+        </p:spPr>
+        <p:style>
+          <a:lnRef idx="2">
+            <a:schemeClr val="accent1">
+              <a:shade val="15000"/>
+            </a:schemeClr>
+          </a:lnRef>
+          <a:fillRef idx="1">
+            <a:schemeClr val="accent1"/>
+          </a:fillRef>
+          <a:effectRef idx="0">
+            <a:schemeClr val="accent1"/>
+          </a:effectRef>
+          <a:fontRef idx="minor">
+            <a:schemeClr val="lt1"/>
+          </a:fontRef>
+        </p:style>
+        <p:txBody>
+          <a:bodyPr rtlCol="0" anchor="ctr"/>
+          <a:lstStyle/>
+          <a:p>
+            <a:pPr algn="ctr"/>
+            <a:r>
+              <a:rPr lang="en-AU" sz="4000" dirty="0">
+                <a:latin typeface="Times New Roman" panose="02020603050405020304" pitchFamily="18" charset="0"/>
+                <a:cs typeface="Times New Roman" panose="02020603050405020304" pitchFamily="18" charset="0"/>
+              </a:rPr>
+              <a:t>Send via CAN bus to Master Node</a:t>
+            </a:r>
+          </a:p>
+        </p:txBody>
+      </p:sp>
+      <p:sp>
+        <p:nvSpPr>
+          <p:cNvPr id="6" name="Rectangle: Rounded Corners 5">
+            <a:extLst>
+              <a:ext uri="{FF2B5EF4-FFF2-40B4-BE49-F238E27FC236}">
+                <a16:creationId xmlns:a16="http://schemas.microsoft.com/office/drawing/2014/main" id="{8A034CDC-785B-53E7-D924-B3BADA8F4B35}"/>
+              </a:ext>
+            </a:extLst>
+          </p:cNvPr>
+          <p:cNvSpPr/>
+          <p:nvPr/>
+        </p:nvSpPr>
+        <p:spPr>
+          <a:xfrm>
+            <a:off x="21532850" y="5943600"/>
+            <a:ext cx="6019800" cy="2514600"/>
+          </a:xfrm>
+          <a:prstGeom prst="roundRect">
+            <a:avLst/>
+          </a:prstGeom>
+        </p:spPr>
+        <p:style>
+          <a:lnRef idx="2">
+            <a:schemeClr val="accent1">
+              <a:shade val="15000"/>
+            </a:schemeClr>
+          </a:lnRef>
+          <a:fillRef idx="1">
+            <a:schemeClr val="accent1"/>
+          </a:fillRef>
+          <a:effectRef idx="0">
+            <a:schemeClr val="accent1"/>
+          </a:effectRef>
+          <a:fontRef idx="minor">
+            <a:schemeClr val="lt1"/>
+          </a:fontRef>
+        </p:style>
+        <p:txBody>
+          <a:bodyPr rtlCol="0" anchor="ctr"/>
+          <a:lstStyle/>
+          <a:p>
+            <a:pPr algn="ctr"/>
+            <a:r>
+              <a:rPr lang="en-AU" sz="4000" dirty="0">
+                <a:latin typeface="Times New Roman" panose="02020603050405020304" pitchFamily="18" charset="0"/>
+                <a:cs typeface="Times New Roman" panose="02020603050405020304" pitchFamily="18" charset="0"/>
+              </a:rPr>
+              <a:t>Collate sensor data and send wirelessly to PC</a:t>
+            </a:r>
+          </a:p>
+        </p:txBody>
+      </p:sp>
+      <p:sp>
+        <p:nvSpPr>
+          <p:cNvPr id="7" name="Rectangle: Rounded Corners 6">
+            <a:extLst>
+              <a:ext uri="{FF2B5EF4-FFF2-40B4-BE49-F238E27FC236}">
+                <a16:creationId xmlns:a16="http://schemas.microsoft.com/office/drawing/2014/main" id="{79225B72-F317-FA98-F9C4-EC4048AB7937}"/>
+              </a:ext>
+            </a:extLst>
+          </p:cNvPr>
+          <p:cNvSpPr/>
+          <p:nvPr/>
+        </p:nvSpPr>
+        <p:spPr>
+          <a:xfrm>
+            <a:off x="28340050" y="5943600"/>
+            <a:ext cx="6019800" cy="2514600"/>
+          </a:xfrm>
+          <a:prstGeom prst="roundRect">
+            <a:avLst/>
+          </a:prstGeom>
+        </p:spPr>
+        <p:style>
+          <a:lnRef idx="2">
+            <a:schemeClr val="accent1">
+              <a:shade val="15000"/>
+            </a:schemeClr>
+          </a:lnRef>
+          <a:fillRef idx="1">
+            <a:schemeClr val="accent1"/>
+          </a:fillRef>
+          <a:effectRef idx="0">
+            <a:schemeClr val="accent1"/>
+          </a:effectRef>
+          <a:fontRef idx="minor">
+            <a:schemeClr val="lt1"/>
+          </a:fontRef>
+        </p:style>
+        <p:txBody>
+          <a:bodyPr rtlCol="0" anchor="ctr"/>
+          <a:lstStyle/>
+          <a:p>
+            <a:pPr algn="ctr"/>
+            <a:r>
+              <a:rPr lang="en-AU" sz="4000" dirty="0">
+                <a:latin typeface="Times New Roman" panose="02020603050405020304" pitchFamily="18" charset="0"/>
+                <a:cs typeface="Times New Roman" panose="02020603050405020304" pitchFamily="18" charset="0"/>
+              </a:rPr>
+              <a:t>Set joint angles with PyNiryo library </a:t>
+            </a:r>
+          </a:p>
+        </p:txBody>
+      </p:sp>
+      <p:cxnSp>
+        <p:nvCxnSpPr>
+          <p:cNvPr id="16" name="Straight Arrow Connector 15">
+            <a:extLst>
+              <a:ext uri="{FF2B5EF4-FFF2-40B4-BE49-F238E27FC236}">
+                <a16:creationId xmlns:a16="http://schemas.microsoft.com/office/drawing/2014/main" id="{35895008-EA7F-5A08-58BC-C84CED24CE4A}"/>
+              </a:ext>
+            </a:extLst>
+          </p:cNvPr>
+          <p:cNvCxnSpPr>
+            <a:cxnSpLocks/>
+            <a:endCxn id="5" idx="1"/>
+          </p:cNvCxnSpPr>
+          <p:nvPr/>
+        </p:nvCxnSpPr>
+        <p:spPr>
+          <a:xfrm>
+            <a:off x="13938250" y="7200900"/>
+            <a:ext cx="787400" cy="0"/>
+          </a:xfrm>
+          <a:prstGeom prst="straightConnector1">
+            <a:avLst/>
+          </a:prstGeom>
+          <a:ln w="76200">
+            <a:solidFill>
+              <a:schemeClr val="tx1">
+                <a:lumMod val="95000"/>
+                <a:lumOff val="5000"/>
+              </a:schemeClr>
+            </a:solidFill>
+            <a:tailEnd type="triangle"/>
+          </a:ln>
+        </p:spPr>
+        <p:style>
+          <a:lnRef idx="1">
+            <a:schemeClr val="accent1"/>
+          </a:lnRef>
+          <a:fillRef idx="0">
+            <a:schemeClr val="accent1"/>
+          </a:fillRef>
+          <a:effectRef idx="0">
+            <a:schemeClr val="accent1"/>
+          </a:effectRef>
+          <a:fontRef idx="minor">
+            <a:schemeClr val="tx1"/>
+          </a:fontRef>
+        </p:style>
+      </p:cxnSp>
+      <p:cxnSp>
+        <p:nvCxnSpPr>
+          <p:cNvPr id="17" name="Straight Arrow Connector 16">
+            <a:extLst>
+              <a:ext uri="{FF2B5EF4-FFF2-40B4-BE49-F238E27FC236}">
+                <a16:creationId xmlns:a16="http://schemas.microsoft.com/office/drawing/2014/main" id="{9E93A771-56B5-3E3F-B928-C9A44E14A882}"/>
+              </a:ext>
+            </a:extLst>
+          </p:cNvPr>
+          <p:cNvCxnSpPr>
+            <a:cxnSpLocks/>
+            <a:stCxn id="5" idx="3"/>
+            <a:endCxn id="6" idx="1"/>
+          </p:cNvCxnSpPr>
+          <p:nvPr/>
+        </p:nvCxnSpPr>
+        <p:spPr>
+          <a:xfrm>
+            <a:off x="20745450" y="7200900"/>
+            <a:ext cx="787400" cy="0"/>
+          </a:xfrm>
+          <a:prstGeom prst="straightConnector1">
+            <a:avLst/>
+          </a:prstGeom>
+          <a:ln w="76200">
+            <a:solidFill>
+              <a:schemeClr val="tx1">
+                <a:lumMod val="95000"/>
+                <a:lumOff val="5000"/>
+              </a:schemeClr>
+            </a:solidFill>
+            <a:tailEnd type="triangle"/>
+          </a:ln>
+        </p:spPr>
+        <p:style>
+          <a:lnRef idx="1">
+            <a:schemeClr val="accent1"/>
+          </a:lnRef>
+          <a:fillRef idx="0">
+            <a:schemeClr val="accent1"/>
+          </a:fillRef>
+          <a:effectRef idx="0">
+            <a:schemeClr val="accent1"/>
+          </a:effectRef>
+          <a:fontRef idx="minor">
+            <a:schemeClr val="tx1"/>
+          </a:fontRef>
+        </p:style>
+      </p:cxnSp>
+      <p:cxnSp>
+        <p:nvCxnSpPr>
+          <p:cNvPr id="20" name="Straight Arrow Connector 19">
+            <a:extLst>
+              <a:ext uri="{FF2B5EF4-FFF2-40B4-BE49-F238E27FC236}">
+                <a16:creationId xmlns:a16="http://schemas.microsoft.com/office/drawing/2014/main" id="{D5EA32A7-014C-21CF-05CB-39EA9C224D80}"/>
+              </a:ext>
+            </a:extLst>
+          </p:cNvPr>
+          <p:cNvCxnSpPr>
+            <a:cxnSpLocks/>
+            <a:stCxn id="6" idx="3"/>
+            <a:endCxn id="7" idx="1"/>
+          </p:cNvCxnSpPr>
+          <p:nvPr/>
+        </p:nvCxnSpPr>
+        <p:spPr>
+          <a:xfrm>
+            <a:off x="27552650" y="7200900"/>
+            <a:ext cx="787400" cy="0"/>
+          </a:xfrm>
+          <a:prstGeom prst="straightConnector1">
+            <a:avLst/>
+          </a:prstGeom>
+          <a:ln w="76200">
+            <a:solidFill>
+              <a:schemeClr val="tx1">
+                <a:lumMod val="95000"/>
+                <a:lumOff val="5000"/>
+              </a:schemeClr>
+            </a:solidFill>
+            <a:tailEnd type="triangle"/>
+          </a:ln>
+        </p:spPr>
+        <p:style>
+          <a:lnRef idx="1">
+            <a:schemeClr val="accent1"/>
+          </a:lnRef>
+          <a:fillRef idx="0">
+            <a:schemeClr val="accent1"/>
+          </a:fillRef>
+          <a:effectRef idx="0">
+            <a:schemeClr val="accent1"/>
+          </a:effectRef>
+          <a:fontRef idx="minor">
+            <a:schemeClr val="tx1"/>
+          </a:fontRef>
+        </p:style>
+      </p:cxnSp>
+    </p:spTree>
+    <p:extLst>
+      <p:ext uri="{BB962C8B-B14F-4D97-AF65-F5344CB8AC3E}">
+        <p14:creationId xmlns:p14="http://schemas.microsoft.com/office/powerpoint/2010/main" val="420619763"/>
+      </p:ext>
+    </p:extLst>
+  </p:cSld>
+  <p:clrMapOvr>
+    <a:masterClrMapping/>
+  </p:clrMapOvr>
+</p:sld>
+</file>
+
 <file path=ppt/theme/theme1.xml><?xml version="1.0" encoding="utf-8"?>
 <a:theme xmlns:a="http://schemas.openxmlformats.org/drawingml/2006/main" name="Office Theme">
   <a:themeElements>
